--- a/Présentation1.pptx
+++ b/Présentation1.pptx
@@ -5,10 +5,10 @@
     <p:sldMasterId id="2147483648" r:id="rId1"/>
   </p:sldMasterIdLst>
   <p:notesMasterIdLst>
-    <p:notesMasterId r:id="rId10"/>
+    <p:notesMasterId r:id="rId11"/>
   </p:notesMasterIdLst>
   <p:handoutMasterIdLst>
-    <p:handoutMasterId r:id="rId11"/>
+    <p:handoutMasterId r:id="rId12"/>
   </p:handoutMasterIdLst>
   <p:sldIdLst>
     <p:sldId id="256" r:id="rId2"/>
@@ -16,9 +16,10 @@
     <p:sldId id="262" r:id="rId4"/>
     <p:sldId id="264" r:id="rId5"/>
     <p:sldId id="263" r:id="rId6"/>
-    <p:sldId id="261" r:id="rId7"/>
-    <p:sldId id="257" r:id="rId8"/>
-    <p:sldId id="258" r:id="rId9"/>
+    <p:sldId id="265" r:id="rId7"/>
+    <p:sldId id="261" r:id="rId8"/>
+    <p:sldId id="257" r:id="rId9"/>
+    <p:sldId id="258" r:id="rId10"/>
   </p:sldIdLst>
   <p:sldSz cx="12192000" cy="6858000"/>
   <p:notesSz cx="6858000" cy="9144000"/>
@@ -219,7 +220,7 @@
           <a:p>
             <a:fld id="{85816B45-9D25-4D26-920E-5E23436879B3}" type="datetimeFigureOut">
               <a:rPr lang="fr-FR" smtClean="0"/>
-              <a:t>30/11/2022</a:t>
+              <a:t>05/12/2022</a:t>
             </a:fld>
             <a:endParaRPr lang="fr-FR"/>
           </a:p>
@@ -397,7 +398,7 @@
           <a:p>
             <a:fld id="{D4E4BFBF-5B7C-42AF-9A59-07CE1B231869}" type="datetimeFigureOut">
               <a:rPr lang="fr-FR" smtClean="0"/>
-              <a:t>30/11/2022</a:t>
+              <a:t>05/12/2022</a:t>
             </a:fld>
             <a:endParaRPr lang="fr-FR"/>
           </a:p>
@@ -812,7 +813,7 @@
           <a:p>
             <a:fld id="{55560A5E-ED4F-4FC8-8448-9FC2DAC93449}" type="datetime1">
               <a:rPr lang="fr-FR" smtClean="0"/>
-              <a:t>30/11/2022</a:t>
+              <a:t>05/12/2022</a:t>
             </a:fld>
             <a:endParaRPr lang="fr-FR"/>
           </a:p>
@@ -1013,7 +1014,7 @@
           <a:p>
             <a:fld id="{C9AF96A2-B76C-49CF-B477-C613DFA9E71B}" type="datetime1">
               <a:rPr lang="fr-FR" smtClean="0"/>
-              <a:t>30/11/2022</a:t>
+              <a:t>05/12/2022</a:t>
             </a:fld>
             <a:endParaRPr lang="fr-FR"/>
           </a:p>
@@ -1224,7 +1225,7 @@
           <a:p>
             <a:fld id="{4A3AF46E-B412-45F9-A4D8-DBAE0132CB5A}" type="datetime1">
               <a:rPr lang="fr-FR" smtClean="0"/>
-              <a:t>30/11/2022</a:t>
+              <a:t>05/12/2022</a:t>
             </a:fld>
             <a:endParaRPr lang="fr-FR"/>
           </a:p>
@@ -1425,7 +1426,7 @@
           <a:p>
             <a:fld id="{67F5BD4F-AF20-47BC-98FA-6E56FCEF6699}" type="datetime1">
               <a:rPr lang="fr-FR" smtClean="0"/>
-              <a:t>30/11/2022</a:t>
+              <a:t>05/12/2022</a:t>
             </a:fld>
             <a:endParaRPr lang="fr-FR"/>
           </a:p>
@@ -1703,7 +1704,7 @@
           <a:p>
             <a:fld id="{84248F67-F323-41B5-AD41-A346E552EE8B}" type="datetime1">
               <a:rPr lang="fr-FR" smtClean="0"/>
-              <a:t>30/11/2022</a:t>
+              <a:t>05/12/2022</a:t>
             </a:fld>
             <a:endParaRPr lang="fr-FR"/>
           </a:p>
@@ -1971,7 +1972,7 @@
           <a:p>
             <a:fld id="{24548D5F-8636-4515-AA37-EBD465E1A431}" type="datetime1">
               <a:rPr lang="fr-FR" smtClean="0"/>
-              <a:t>30/11/2022</a:t>
+              <a:t>05/12/2022</a:t>
             </a:fld>
             <a:endParaRPr lang="fr-FR"/>
           </a:p>
@@ -2386,7 +2387,7 @@
           <a:p>
             <a:fld id="{A47B51E6-B11F-4E86-974A-52DEBC96B5FC}" type="datetime1">
               <a:rPr lang="fr-FR" smtClean="0"/>
-              <a:t>30/11/2022</a:t>
+              <a:t>05/12/2022</a:t>
             </a:fld>
             <a:endParaRPr lang="fr-FR"/>
           </a:p>
@@ -2530,7 +2531,7 @@
           <a:p>
             <a:fld id="{84B7EF64-EBA1-4B1A-9FAE-386E5904FA80}" type="datetime1">
               <a:rPr lang="fr-FR" smtClean="0"/>
-              <a:t>30/11/2022</a:t>
+              <a:t>05/12/2022</a:t>
             </a:fld>
             <a:endParaRPr lang="fr-FR"/>
           </a:p>
@@ -2646,7 +2647,7 @@
           <a:p>
             <a:fld id="{7056F056-2930-474B-8174-40E0400C99FB}" type="datetime1">
               <a:rPr lang="fr-FR" smtClean="0"/>
-              <a:t>30/11/2022</a:t>
+              <a:t>05/12/2022</a:t>
             </a:fld>
             <a:endParaRPr lang="fr-FR"/>
           </a:p>
@@ -2960,7 +2961,7 @@
           <a:p>
             <a:fld id="{2A3BA426-4241-42C1-95E3-09ABB13F2EF4}" type="datetime1">
               <a:rPr lang="fr-FR" smtClean="0"/>
-              <a:t>30/11/2022</a:t>
+              <a:t>05/12/2022</a:t>
             </a:fld>
             <a:endParaRPr lang="fr-FR"/>
           </a:p>
@@ -3251,7 +3252,7 @@
           <a:p>
             <a:fld id="{F90CB688-9A67-467B-A382-B9BB5E39CBA6}" type="datetime1">
               <a:rPr lang="fr-FR" smtClean="0"/>
-              <a:t>30/11/2022</a:t>
+              <a:t>05/12/2022</a:t>
             </a:fld>
             <a:endParaRPr lang="fr-FR"/>
           </a:p>
@@ -3495,7 +3496,7 @@
           <a:p>
             <a:fld id="{8DF03583-07E3-4BD6-B6ED-B034387BAB68}" type="datetime1">
               <a:rPr lang="fr-FR" smtClean="0"/>
-              <a:t>30/11/2022</a:t>
+              <a:t>05/12/2022</a:t>
             </a:fld>
             <a:endParaRPr lang="fr-FR"/>
           </a:p>
@@ -4692,7 +4693,7 @@
         <p:spPr>
           <a:xfrm>
             <a:off x="888489" y="1407890"/>
-            <a:ext cx="6093822" cy="1754326"/>
+            <a:ext cx="6093822" cy="3139321"/>
           </a:xfrm>
           <a:prstGeom prst="rect">
             <a:avLst/>
@@ -4707,6 +4708,15 @@
           <a:p>
             <a:r>
               <a:rPr lang="fr-FR" dirty="0"/>
+              <a:t>Un grand écart de valeurs entre les prix des actions est également pénalisant.</a:t>
+            </a:r>
+          </a:p>
+          <a:p>
+            <a:endParaRPr lang="fr-FR" dirty="0"/>
+          </a:p>
+          <a:p>
+            <a:r>
+              <a:rPr lang="fr-FR" dirty="0"/>
               <a:t>La ligne 0 et colonne 0 sert à initialiser le calcul. </a:t>
             </a:r>
           </a:p>
@@ -4717,6 +4727,23 @@
             <a:r>
               <a:rPr lang="fr-FR" dirty="0"/>
               <a:t>L’algorithme pour calculer le meilleur revenu est en O(M*N), cela correspond aux 2 boucles imbriquées dans le diagramme qui suit.</a:t>
+            </a:r>
+          </a:p>
+          <a:p>
+            <a:endParaRPr lang="fr-FR" dirty="0"/>
+          </a:p>
+          <a:p>
+            <a:r>
+              <a:rPr lang="fr-FR" dirty="0"/>
+              <a:t>L’algorithme pour retrouver le nom des actions en O(</a:t>
+            </a:r>
+            <a:r>
+              <a:rPr lang="fr-FR" dirty="0" err="1"/>
+              <a:t>nN</a:t>
+            </a:r>
+            <a:r>
+              <a:rPr lang="fr-FR" dirty="0"/>
+              <a:t>).</a:t>
             </a:r>
           </a:p>
           <a:p>
@@ -4785,10 +4812,10 @@
       </p:grpSpPr>
       <p:pic>
         <p:nvPicPr>
-          <p:cNvPr id="3" name="Image 2">
-            <a:extLst>
-              <a:ext uri="{FF2B5EF4-FFF2-40B4-BE49-F238E27FC236}">
-                <a16:creationId xmlns:a16="http://schemas.microsoft.com/office/drawing/2014/main" id="{8B78D1EA-6938-9A0C-631D-9C76E9755216}"/>
+          <p:cNvPr id="8" name="Image 7">
+            <a:extLst>
+              <a:ext uri="{FF2B5EF4-FFF2-40B4-BE49-F238E27FC236}">
+                <a16:creationId xmlns:a16="http://schemas.microsoft.com/office/drawing/2014/main" id="{F3748D11-3E77-807B-022E-1D3E761F8D31}"/>
               </a:ext>
             </a:extLst>
           </p:cNvPr>
@@ -4812,7 +4839,7 @@
         <p:spPr>
           <a:xfrm>
             <a:off x="1658470" y="0"/>
-            <a:ext cx="8875060" cy="6858000"/>
+            <a:ext cx="8875059" cy="6858000"/>
           </a:xfrm>
           <a:prstGeom prst="rect">
             <a:avLst/>
@@ -4951,6 +4978,153 @@
         <p:spPr>
           <a:xfrm>
             <a:off x="535577" y="679269"/>
+            <a:ext cx="8360229" cy="369332"/>
+          </a:xfrm>
+          <a:prstGeom prst="rect">
+            <a:avLst/>
+          </a:prstGeom>
+          <a:gradFill flip="none" rotWithShape="1">
+            <a:gsLst>
+              <a:gs pos="0">
+                <a:schemeClr val="accent1">
+                  <a:tint val="66000"/>
+                  <a:satMod val="160000"/>
+                </a:schemeClr>
+              </a:gs>
+              <a:gs pos="50000">
+                <a:schemeClr val="accent1">
+                  <a:tint val="44500"/>
+                  <a:satMod val="160000"/>
+                </a:schemeClr>
+              </a:gs>
+              <a:gs pos="100000">
+                <a:schemeClr val="accent1">
+                  <a:tint val="23500"/>
+                  <a:satMod val="160000"/>
+                </a:schemeClr>
+              </a:gs>
+            </a:gsLst>
+            <a:lin ang="2700000" scaled="1"/>
+            <a:tileRect/>
+          </a:gradFill>
+        </p:spPr>
+        <p:txBody>
+          <a:bodyPr wrap="square" rtlCol="0">
+            <a:spAutoFit/>
+          </a:bodyPr>
+          <a:lstStyle/>
+          <a:p>
+            <a:r>
+              <a:rPr lang="fr-FR" dirty="0"/>
+              <a:t> Algorithme optimisé: algorithme choisi</a:t>
+            </a:r>
+          </a:p>
+        </p:txBody>
+      </p:sp>
+      <p:sp>
+        <p:nvSpPr>
+          <p:cNvPr id="5" name="Espace réservé du numéro de diapositive 4">
+            <a:extLst>
+              <a:ext uri="{FF2B5EF4-FFF2-40B4-BE49-F238E27FC236}">
+                <a16:creationId xmlns:a16="http://schemas.microsoft.com/office/drawing/2014/main" id="{3C4F81F1-73B9-34D0-FC9E-C473306FCEE7}"/>
+              </a:ext>
+            </a:extLst>
+          </p:cNvPr>
+          <p:cNvSpPr>
+            <a:spLocks noGrp="1"/>
+          </p:cNvSpPr>
+          <p:nvPr>
+            <p:ph type="sldNum" sz="quarter" idx="12"/>
+          </p:nvPr>
+        </p:nvSpPr>
+        <p:spPr/>
+        <p:txBody>
+          <a:bodyPr/>
+          <a:lstStyle/>
+          <a:p>
+            <a:fld id="{AE417661-E064-4F80-82F7-A36549503DAA}" type="slidenum">
+              <a:rPr lang="fr-FR" smtClean="0"/>
+              <a:t>6</a:t>
+            </a:fld>
+            <a:endParaRPr lang="fr-FR"/>
+          </a:p>
+        </p:txBody>
+      </p:sp>
+      <p:pic>
+        <p:nvPicPr>
+          <p:cNvPr id="3" name="Image 2">
+            <a:extLst>
+              <a:ext uri="{FF2B5EF4-FFF2-40B4-BE49-F238E27FC236}">
+                <a16:creationId xmlns:a16="http://schemas.microsoft.com/office/drawing/2014/main" id="{F5E913B1-8525-8F99-72A3-2C3590AF1CFB}"/>
+              </a:ext>
+            </a:extLst>
+          </p:cNvPr>
+          <p:cNvPicPr>
+            <a:picLocks noChangeAspect="1"/>
+          </p:cNvPicPr>
+          <p:nvPr/>
+        </p:nvPicPr>
+        <p:blipFill>
+          <a:blip r:embed="rId2"/>
+          <a:stretch>
+            <a:fillRect/>
+          </a:stretch>
+        </p:blipFill>
+        <p:spPr>
+          <a:xfrm>
+            <a:off x="-92132" y="1473099"/>
+            <a:ext cx="7996991" cy="3979118"/>
+          </a:xfrm>
+          <a:prstGeom prst="rect">
+            <a:avLst/>
+          </a:prstGeom>
+        </p:spPr>
+      </p:pic>
+    </p:spTree>
+    <p:extLst>
+      <p:ext uri="{BB962C8B-B14F-4D97-AF65-F5344CB8AC3E}">
+        <p14:creationId xmlns:p14="http://schemas.microsoft.com/office/powerpoint/2010/main" val="3123875580"/>
+      </p:ext>
+    </p:extLst>
+  </p:cSld>
+  <p:clrMapOvr>
+    <a:masterClrMapping/>
+  </p:clrMapOvr>
+</p:sld>
+</file>
+
+<file path=ppt/slides/slide7.xml><?xml version="1.0" encoding="utf-8"?>
+<p:sld xmlns:a="http://schemas.openxmlformats.org/drawingml/2006/main" xmlns:r="http://schemas.openxmlformats.org/officeDocument/2006/relationships" xmlns:p="http://schemas.openxmlformats.org/presentationml/2006/main">
+  <p:cSld>
+    <p:spTree>
+      <p:nvGrpSpPr>
+        <p:cNvPr id="1" name=""/>
+        <p:cNvGrpSpPr/>
+        <p:nvPr/>
+      </p:nvGrpSpPr>
+      <p:grpSpPr>
+        <a:xfrm>
+          <a:off x="0" y="0"/>
+          <a:ext cx="0" cy="0"/>
+          <a:chOff x="0" y="0"/>
+          <a:chExt cx="0" cy="0"/>
+        </a:xfrm>
+      </p:grpSpPr>
+      <p:sp>
+        <p:nvSpPr>
+          <p:cNvPr id="4" name="ZoneTexte 3">
+            <a:extLst>
+              <a:ext uri="{FF2B5EF4-FFF2-40B4-BE49-F238E27FC236}">
+                <a16:creationId xmlns:a16="http://schemas.microsoft.com/office/drawing/2014/main" id="{8A06B5CA-B6AE-41F5-DF96-AFD0291C24E9}"/>
+              </a:ext>
+            </a:extLst>
+          </p:cNvPr>
+          <p:cNvSpPr txBox="1"/>
+          <p:nvPr/>
+        </p:nvSpPr>
+        <p:spPr>
+          <a:xfrm>
+            <a:off x="535577" y="679269"/>
             <a:ext cx="8360229" cy="646331"/>
           </a:xfrm>
           <a:prstGeom prst="rect">
@@ -5405,7 +5579,7 @@
           <a:p>
             <a:fld id="{AE417661-E064-4F80-82F7-A36549503DAA}" type="slidenum">
               <a:rPr lang="fr-FR" smtClean="0"/>
-              <a:t>6</a:t>
+              <a:t>7</a:t>
             </a:fld>
             <a:endParaRPr lang="fr-FR"/>
           </a:p>
@@ -5424,7 +5598,7 @@
 </p:sld>
 </file>
 
-<file path=ppt/slides/slide7.xml><?xml version="1.0" encoding="utf-8"?>
+<file path=ppt/slides/slide8.xml><?xml version="1.0" encoding="utf-8"?>
 <p:sld xmlns:a="http://schemas.openxmlformats.org/drawingml/2006/main" xmlns:r="http://schemas.openxmlformats.org/officeDocument/2006/relationships" xmlns:p="http://schemas.openxmlformats.org/presentationml/2006/main">
   <p:cSld>
     <p:spTree>
@@ -5866,7 +6040,7 @@
           <a:p>
             <a:fld id="{AE417661-E064-4F80-82F7-A36549503DAA}" type="slidenum">
               <a:rPr lang="fr-FR" smtClean="0"/>
-              <a:t>7</a:t>
+              <a:t>8</a:t>
             </a:fld>
             <a:endParaRPr lang="fr-FR"/>
           </a:p>
@@ -5885,7 +6059,7 @@
 </p:sld>
 </file>
 
-<file path=ppt/slides/slide8.xml><?xml version="1.0" encoding="utf-8"?>
+<file path=ppt/slides/slide9.xml><?xml version="1.0" encoding="utf-8"?>
 <p:sld xmlns:a="http://schemas.openxmlformats.org/drawingml/2006/main" xmlns:r="http://schemas.openxmlformats.org/officeDocument/2006/relationships" xmlns:p="http://schemas.openxmlformats.org/presentationml/2006/main">
   <p:cSld>
     <p:spTree>
@@ -6438,7 +6612,7 @@
           <a:p>
             <a:fld id="{AE417661-E064-4F80-82F7-A36549503DAA}" type="slidenum">
               <a:rPr lang="fr-FR" smtClean="0"/>
-              <a:t>8</a:t>
+              <a:t>9</a:t>
             </a:fld>
             <a:endParaRPr lang="fr-FR"/>
           </a:p>
